--- a/presentation/LevelUpKinect.pptx
+++ b/presentation/LevelUpKinect.pptx
@@ -13,18 +13,21 @@
     <p:sldId id="261" r:id="rId7"/>
     <p:sldId id="262" r:id="rId8"/>
     <p:sldId id="263" r:id="rId9"/>
-    <p:sldId id="264" r:id="rId10"/>
-    <p:sldId id="265" r:id="rId11"/>
-    <p:sldId id="266" r:id="rId12"/>
-    <p:sldId id="267" r:id="rId13"/>
-    <p:sldId id="268" r:id="rId14"/>
-    <p:sldId id="269" r:id="rId15"/>
-    <p:sldId id="270" r:id="rId16"/>
-    <p:sldId id="271" r:id="rId17"/>
-    <p:sldId id="272" r:id="rId18"/>
-    <p:sldId id="273" r:id="rId19"/>
-    <p:sldId id="274" r:id="rId20"/>
-    <p:sldId id="275" r:id="rId21"/>
+    <p:sldId id="276" r:id="rId10"/>
+    <p:sldId id="264" r:id="rId11"/>
+    <p:sldId id="277" r:id="rId12"/>
+    <p:sldId id="278" r:id="rId13"/>
+    <p:sldId id="265" r:id="rId14"/>
+    <p:sldId id="266" r:id="rId15"/>
+    <p:sldId id="267" r:id="rId16"/>
+    <p:sldId id="268" r:id="rId17"/>
+    <p:sldId id="269" r:id="rId18"/>
+    <p:sldId id="270" r:id="rId19"/>
+    <p:sldId id="271" r:id="rId20"/>
+    <p:sldId id="272" r:id="rId21"/>
+    <p:sldId id="273" r:id="rId22"/>
+    <p:sldId id="274" r:id="rId23"/>
+    <p:sldId id="275" r:id="rId24"/>
   </p:sldIdLst>
   <p:sldSz cx="9144000" cy="5143500" type="screen16x9"/>
   <p:notesSz cx="6858000" cy="9144000"/>
@@ -307,7 +310,7 @@
           <a:p>
             <a:fld id="{405F36E6-54AE-4AA2-9278-376E514A87CD}" type="datetimeFigureOut">
               <a:rPr lang="en-US" smtClean="0"/>
-              <a:t>10/1/2011</a:t>
+              <a:t>10/3/2011</a:t>
             </a:fld>
             <a:endParaRPr lang="en-US"/>
           </a:p>
@@ -477,7 +480,7 @@
           <a:p>
             <a:fld id="{405F36E6-54AE-4AA2-9278-376E514A87CD}" type="datetimeFigureOut">
               <a:rPr lang="en-US" smtClean="0"/>
-              <a:t>10/1/2011</a:t>
+              <a:t>10/3/2011</a:t>
             </a:fld>
             <a:endParaRPr lang="en-US"/>
           </a:p>
@@ -657,7 +660,7 @@
           <a:p>
             <a:fld id="{405F36E6-54AE-4AA2-9278-376E514A87CD}" type="datetimeFigureOut">
               <a:rPr lang="en-US" smtClean="0"/>
-              <a:t>10/1/2011</a:t>
+              <a:t>10/3/2011</a:t>
             </a:fld>
             <a:endParaRPr lang="en-US"/>
           </a:p>
@@ -827,7 +830,7 @@
           <a:p>
             <a:fld id="{405F36E6-54AE-4AA2-9278-376E514A87CD}" type="datetimeFigureOut">
               <a:rPr lang="en-US" smtClean="0"/>
-              <a:t>10/1/2011</a:t>
+              <a:t>10/3/2011</a:t>
             </a:fld>
             <a:endParaRPr lang="en-US"/>
           </a:p>
@@ -1073,7 +1076,7 @@
           <a:p>
             <a:fld id="{405F36E6-54AE-4AA2-9278-376E514A87CD}" type="datetimeFigureOut">
               <a:rPr lang="en-US" smtClean="0"/>
-              <a:t>10/1/2011</a:t>
+              <a:t>10/3/2011</a:t>
             </a:fld>
             <a:endParaRPr lang="en-US"/>
           </a:p>
@@ -1361,7 +1364,7 @@
           <a:p>
             <a:fld id="{405F36E6-54AE-4AA2-9278-376E514A87CD}" type="datetimeFigureOut">
               <a:rPr lang="en-US" smtClean="0"/>
-              <a:t>10/1/2011</a:t>
+              <a:t>10/3/2011</a:t>
             </a:fld>
             <a:endParaRPr lang="en-US"/>
           </a:p>
@@ -1783,7 +1786,7 @@
           <a:p>
             <a:fld id="{405F36E6-54AE-4AA2-9278-376E514A87CD}" type="datetimeFigureOut">
               <a:rPr lang="en-US" smtClean="0"/>
-              <a:t>10/1/2011</a:t>
+              <a:t>10/3/2011</a:t>
             </a:fld>
             <a:endParaRPr lang="en-US"/>
           </a:p>
@@ -1901,7 +1904,7 @@
           <a:p>
             <a:fld id="{405F36E6-54AE-4AA2-9278-376E514A87CD}" type="datetimeFigureOut">
               <a:rPr lang="en-US" smtClean="0"/>
-              <a:t>10/1/2011</a:t>
+              <a:t>10/3/2011</a:t>
             </a:fld>
             <a:endParaRPr lang="en-US"/>
           </a:p>
@@ -1996,7 +1999,7 @@
           <a:p>
             <a:fld id="{405F36E6-54AE-4AA2-9278-376E514A87CD}" type="datetimeFigureOut">
               <a:rPr lang="en-US" smtClean="0"/>
-              <a:t>10/1/2011</a:t>
+              <a:t>10/3/2011</a:t>
             </a:fld>
             <a:endParaRPr lang="en-US"/>
           </a:p>
@@ -2273,7 +2276,7 @@
           <a:p>
             <a:fld id="{405F36E6-54AE-4AA2-9278-376E514A87CD}" type="datetimeFigureOut">
               <a:rPr lang="en-US" smtClean="0"/>
-              <a:t>10/1/2011</a:t>
+              <a:t>10/3/2011</a:t>
             </a:fld>
             <a:endParaRPr lang="en-US"/>
           </a:p>
@@ -2526,7 +2529,7 @@
           <a:p>
             <a:fld id="{405F36E6-54AE-4AA2-9278-376E514A87CD}" type="datetimeFigureOut">
               <a:rPr lang="en-US" smtClean="0"/>
-              <a:t>10/1/2011</a:t>
+              <a:t>10/3/2011</a:t>
             </a:fld>
             <a:endParaRPr lang="en-US"/>
           </a:p>
@@ -2739,7 +2742,7 @@
           <a:p>
             <a:fld id="{405F36E6-54AE-4AA2-9278-376E514A87CD}" type="datetimeFigureOut">
               <a:rPr lang="en-US" smtClean="0"/>
-              <a:t>10/1/2011</a:t>
+              <a:t>10/3/2011</a:t>
             </a:fld>
             <a:endParaRPr lang="en-US"/>
           </a:p>
@@ -3226,7 +3229,7 @@
         <p:spPr>
           <a:xfrm>
             <a:off x="381000" y="1627822"/>
-            <a:ext cx="5867400" cy="1323439"/>
+            <a:ext cx="5867400" cy="1631216"/>
           </a:xfrm>
           <a:prstGeom prst="rect">
             <a:avLst/>
@@ -3241,7 +3244,7 @@
           <a:p>
             <a:r>
               <a:rPr lang="en-US" sz="2000" dirty="0" smtClean="0"/>
-              <a:t>DEMO</a:t>
+              <a:t>SAFETY TIP #1</a:t>
             </a:r>
           </a:p>
           <a:p>
@@ -3250,16 +3253,57 @@
           <a:p>
             <a:r>
               <a:rPr lang="en-US" sz="2000" dirty="0" smtClean="0"/>
-              <a:t>enhance the bounding box user interface with visual debugging information</a:t>
-            </a:r>
-            <a:endParaRPr lang="en-US" sz="2000" dirty="0"/>
-          </a:p>
-        </p:txBody>
-      </p:sp>
+              <a:t>include a </a:t>
+            </a:r>
+            <a:r>
+              <a:rPr lang="en-US" sz="2000" dirty="0" err="1" smtClean="0"/>
+              <a:t>kinect</a:t>
+            </a:r>
+            <a:r>
+              <a:rPr lang="en-US" sz="2000" dirty="0" smtClean="0"/>
+              <a:t> debug view to diagnose sensor problems such as lighting, camera distance, or device </a:t>
+            </a:r>
+            <a:r>
+              <a:rPr lang="en-US" sz="2000" dirty="0" smtClean="0"/>
+              <a:t>failure</a:t>
+            </a:r>
+          </a:p>
+        </p:txBody>
+      </p:sp>
+      <p:pic>
+        <p:nvPicPr>
+          <p:cNvPr id="2" name="Picture 1"/>
+          <p:cNvPicPr>
+            <a:picLocks noChangeAspect="1"/>
+          </p:cNvPicPr>
+          <p:nvPr/>
+        </p:nvPicPr>
+        <p:blipFill>
+          <a:blip r:embed="rId2" cstate="print">
+            <a:extLst>
+              <a:ext uri="{28A0092B-C50C-407E-A947-70E740481C1C}">
+                <a14:useLocalDpi xmlns:a14="http://schemas.microsoft.com/office/drawing/2010/main" val="0"/>
+              </a:ext>
+            </a:extLst>
+          </a:blip>
+          <a:stretch>
+            <a:fillRect/>
+          </a:stretch>
+        </p:blipFill>
+        <p:spPr>
+          <a:xfrm>
+            <a:off x="6629400" y="133350"/>
+            <a:ext cx="2133600" cy="1600200"/>
+          </a:xfrm>
+          <a:prstGeom prst="rect">
+            <a:avLst/>
+          </a:prstGeom>
+        </p:spPr>
+      </p:pic>
     </p:spTree>
     <p:extLst>
       <p:ext uri="{BB962C8B-B14F-4D97-AF65-F5344CB8AC3E}">
-        <p14:creationId xmlns:p14="http://schemas.microsoft.com/office/powerpoint/2010/main" val="4000758699"/>
+        <p14:creationId xmlns:p14="http://schemas.microsoft.com/office/powerpoint/2010/main" val="4200243354"/>
       </p:ext>
     </p:extLst>
   </p:cSld>
@@ -3295,14 +3339,14 @@
       </p:grpSpPr>
       <p:sp>
         <p:nvSpPr>
-          <p:cNvPr id="2" name="TextBox 1"/>
+          <p:cNvPr id="3" name="TextBox 2"/>
           <p:cNvSpPr txBox="1"/>
           <p:nvPr/>
         </p:nvSpPr>
         <p:spPr>
           <a:xfrm>
             <a:off x="381000" y="1627822"/>
-            <a:ext cx="5562600" cy="1938992"/>
+            <a:ext cx="5867400" cy="1323439"/>
           </a:xfrm>
           <a:prstGeom prst="rect">
             <a:avLst/>
@@ -3317,8 +3361,9 @@
           <a:p>
             <a:r>
               <a:rPr lang="en-US" sz="2000" dirty="0" smtClean="0"/>
-              <a:t>WHAT IS KINECT CURSOR CONTROL?</a:t>
-            </a:r>
+              <a:t>VIDEO AND DEPTH FEEDS</a:t>
+            </a:r>
+            <a:endParaRPr lang="en-US" sz="2000" dirty="0" smtClean="0"/>
           </a:p>
           <a:p>
             <a:endParaRPr lang="en-US" sz="2000" dirty="0"/>
@@ -3326,34 +3371,23 @@
           <a:p>
             <a:r>
               <a:rPr lang="en-US" sz="2000" dirty="0" smtClean="0"/>
-              <a:t>translate hand joint to cursor position on screen</a:t>
-            </a:r>
-          </a:p>
-          <a:p>
-            <a:r>
-              <a:rPr lang="en-US" sz="2000" dirty="0" smtClean="0"/>
-              <a:t>user32.dll call</a:t>
-            </a:r>
-          </a:p>
-          <a:p>
-            <a:r>
-              <a:rPr lang="en-US" sz="2000" dirty="0" smtClean="0"/>
-              <a:t>use skeleton smoothing to eliminate jitter</a:t>
-            </a:r>
-          </a:p>
-          <a:p>
-            <a:r>
-              <a:rPr lang="en-US" sz="2000" dirty="0" smtClean="0"/>
-              <a:t>selection gesture such as hover or push</a:t>
-            </a:r>
-            <a:endParaRPr lang="en-US" sz="2000" dirty="0"/>
+              <a:t>use coding4fun </a:t>
+            </a:r>
+            <a:r>
+              <a:rPr lang="en-US" sz="2000" dirty="0" err="1" smtClean="0"/>
+              <a:t>kinect</a:t>
+            </a:r>
+            <a:r>
+              <a:rPr lang="en-US" sz="2000" dirty="0" smtClean="0"/>
+              <a:t> tools to easily render video and depth video images</a:t>
+            </a:r>
           </a:p>
         </p:txBody>
       </p:sp>
     </p:spTree>
     <p:extLst>
       <p:ext uri="{BB962C8B-B14F-4D97-AF65-F5344CB8AC3E}">
-        <p14:creationId xmlns:p14="http://schemas.microsoft.com/office/powerpoint/2010/main" val="3707586360"/>
+        <p14:creationId xmlns:p14="http://schemas.microsoft.com/office/powerpoint/2010/main" val="2727767118"/>
       </p:ext>
     </p:extLst>
   </p:cSld>
@@ -3389,14 +3423,14 @@
       </p:grpSpPr>
       <p:sp>
         <p:nvSpPr>
-          <p:cNvPr id="2" name="TextBox 1"/>
+          <p:cNvPr id="3" name="TextBox 2"/>
           <p:cNvSpPr txBox="1"/>
           <p:nvPr/>
         </p:nvSpPr>
         <p:spPr>
           <a:xfrm>
             <a:off x="381000" y="1627822"/>
-            <a:ext cx="5562600" cy="1323439"/>
+            <a:ext cx="5867400" cy="1323439"/>
           </a:xfrm>
           <a:prstGeom prst="rect">
             <a:avLst/>
@@ -3411,8 +3445,13 @@
           <a:p>
             <a:r>
               <a:rPr lang="en-US" sz="2000" dirty="0" smtClean="0"/>
-              <a:t>WHY KINECT CURSOR CONTROL IS GOOD</a:t>
-            </a:r>
+              <a:t>SAFETY TIP </a:t>
+            </a:r>
+            <a:r>
+              <a:rPr lang="en-US" sz="2000" dirty="0" smtClean="0"/>
+              <a:t>#2</a:t>
+            </a:r>
+            <a:endParaRPr lang="en-US" sz="2000" dirty="0" smtClean="0"/>
           </a:p>
           <a:p>
             <a:endParaRPr lang="en-US" sz="2000" dirty="0"/>
@@ -3420,22 +3459,45 @@
           <a:p>
             <a:r>
               <a:rPr lang="en-US" sz="2000" dirty="0" smtClean="0"/>
-              <a:t>somewhat intuitive for users</a:t>
-            </a:r>
-          </a:p>
-          <a:p>
-            <a:r>
-              <a:rPr lang="en-US" sz="2000" dirty="0" smtClean="0"/>
-              <a:t>easy to implement and you can be lazy</a:t>
-            </a:r>
-            <a:endParaRPr lang="en-US" sz="2000" dirty="0"/>
-          </a:p>
-        </p:txBody>
-      </p:sp>
+              <a:t>use a timer or background worker to throttle speed of depth and video image rendering</a:t>
+            </a:r>
+          </a:p>
+        </p:txBody>
+      </p:sp>
+      <p:pic>
+        <p:nvPicPr>
+          <p:cNvPr id="4" name="Picture 3"/>
+          <p:cNvPicPr>
+            <a:picLocks noChangeAspect="1"/>
+          </p:cNvPicPr>
+          <p:nvPr/>
+        </p:nvPicPr>
+        <p:blipFill>
+          <a:blip r:embed="rId2" cstate="print">
+            <a:extLst>
+              <a:ext uri="{28A0092B-C50C-407E-A947-70E740481C1C}">
+                <a14:useLocalDpi xmlns:a14="http://schemas.microsoft.com/office/drawing/2010/main" val="0"/>
+              </a:ext>
+            </a:extLst>
+          </a:blip>
+          <a:stretch>
+            <a:fillRect/>
+          </a:stretch>
+        </p:blipFill>
+        <p:spPr>
+          <a:xfrm>
+            <a:off x="6629400" y="133350"/>
+            <a:ext cx="2133600" cy="1600200"/>
+          </a:xfrm>
+          <a:prstGeom prst="rect">
+            <a:avLst/>
+          </a:prstGeom>
+        </p:spPr>
+      </p:pic>
     </p:spTree>
     <p:extLst>
       <p:ext uri="{BB962C8B-B14F-4D97-AF65-F5344CB8AC3E}">
-        <p14:creationId xmlns:p14="http://schemas.microsoft.com/office/powerpoint/2010/main" val="271295059"/>
+        <p14:creationId xmlns:p14="http://schemas.microsoft.com/office/powerpoint/2010/main" val="2636973354"/>
       </p:ext>
     </p:extLst>
   </p:cSld>
@@ -3471,14 +3533,14 @@
       </p:grpSpPr>
       <p:sp>
         <p:nvSpPr>
-          <p:cNvPr id="2" name="TextBox 1"/>
+          <p:cNvPr id="3" name="TextBox 2"/>
           <p:cNvSpPr txBox="1"/>
           <p:nvPr/>
         </p:nvSpPr>
         <p:spPr>
           <a:xfrm>
             <a:off x="381000" y="1627822"/>
-            <a:ext cx="6705600" cy="1938992"/>
+            <a:ext cx="5867400" cy="1323439"/>
           </a:xfrm>
           <a:prstGeom prst="rect">
             <a:avLst/>
@@ -3493,7 +3555,7 @@
           <a:p>
             <a:r>
               <a:rPr lang="en-US" sz="2000" dirty="0" smtClean="0"/>
-              <a:t>WHY KINECT CURSOR CONTROL IS BAD</a:t>
+              <a:t>DEMO</a:t>
             </a:r>
           </a:p>
           <a:p>
@@ -3502,33 +3564,16 @@
           <a:p>
             <a:r>
               <a:rPr lang="en-US" sz="2000" dirty="0" smtClean="0"/>
-              <a:t>different body sizes == different experiences</a:t>
-            </a:r>
-          </a:p>
-          <a:p>
-            <a:r>
-              <a:rPr lang="en-US" sz="2000" dirty="0" smtClean="0"/>
-              <a:t>cross-body problems</a:t>
-            </a:r>
-          </a:p>
-          <a:p>
-            <a:r>
-              <a:rPr lang="en-US" sz="2000" dirty="0" smtClean="0"/>
-              <a:t>cursor precision is problematic</a:t>
-            </a:r>
-          </a:p>
-          <a:p>
-            <a:r>
-              <a:rPr lang="en-US" sz="2000" dirty="0" smtClean="0"/>
-              <a:t>an old metaphor in a NUI world</a:t>
-            </a:r>
+              <a:t>enhance the bounding box user interface with visual debugging information</a:t>
+            </a:r>
+            <a:endParaRPr lang="en-US" sz="2000" dirty="0"/>
           </a:p>
         </p:txBody>
       </p:sp>
     </p:spTree>
     <p:extLst>
       <p:ext uri="{BB962C8B-B14F-4D97-AF65-F5344CB8AC3E}">
-        <p14:creationId xmlns:p14="http://schemas.microsoft.com/office/powerpoint/2010/main" val="4003568621"/>
+        <p14:creationId xmlns:p14="http://schemas.microsoft.com/office/powerpoint/2010/main" val="4000758699"/>
       </p:ext>
     </p:extLst>
   </p:cSld>
@@ -3571,7 +3616,7 @@
         <p:spPr>
           <a:xfrm>
             <a:off x="381000" y="1627822"/>
-            <a:ext cx="6705600" cy="1323439"/>
+            <a:ext cx="5562600" cy="1938992"/>
           </a:xfrm>
           <a:prstGeom prst="rect">
             <a:avLst/>
@@ -3586,7 +3631,7 @@
           <a:p>
             <a:r>
               <a:rPr lang="en-US" sz="2000" dirty="0" smtClean="0"/>
-              <a:t>ALTERNATIVE #1 TO CURSOR CONTROL</a:t>
+              <a:t>WHAT IS KINECT CURSOR CONTROL?</a:t>
             </a:r>
           </a:p>
           <a:p>
@@ -3595,21 +3640,34 @@
           <a:p>
             <a:r>
               <a:rPr lang="en-US" sz="2000" dirty="0" smtClean="0"/>
-              <a:t>gestures</a:t>
-            </a:r>
-          </a:p>
-          <a:p>
-            <a:r>
-              <a:rPr lang="en-US" sz="2000" dirty="0" smtClean="0"/>
-              <a:t>creative use of motion tracking and math</a:t>
-            </a:r>
+              <a:t>translate hand joint to cursor position on screen</a:t>
+            </a:r>
+          </a:p>
+          <a:p>
+            <a:r>
+              <a:rPr lang="en-US" sz="2000" dirty="0" smtClean="0"/>
+              <a:t>user32.dll call</a:t>
+            </a:r>
+          </a:p>
+          <a:p>
+            <a:r>
+              <a:rPr lang="en-US" sz="2000" dirty="0" smtClean="0"/>
+              <a:t>use skeleton smoothing to eliminate jitter</a:t>
+            </a:r>
+          </a:p>
+          <a:p>
+            <a:r>
+              <a:rPr lang="en-US" sz="2000" dirty="0" smtClean="0"/>
+              <a:t>selection gesture such as hover or push</a:t>
+            </a:r>
+            <a:endParaRPr lang="en-US" sz="2000" dirty="0"/>
           </a:p>
         </p:txBody>
       </p:sp>
     </p:spTree>
     <p:extLst>
       <p:ext uri="{BB962C8B-B14F-4D97-AF65-F5344CB8AC3E}">
-        <p14:creationId xmlns:p14="http://schemas.microsoft.com/office/powerpoint/2010/main" val="3827312201"/>
+        <p14:creationId xmlns:p14="http://schemas.microsoft.com/office/powerpoint/2010/main" val="3707586360"/>
       </p:ext>
     </p:extLst>
   </p:cSld>
@@ -3652,7 +3710,7 @@
         <p:spPr>
           <a:xfrm>
             <a:off x="381000" y="1627822"/>
-            <a:ext cx="6705600" cy="1631216"/>
+            <a:ext cx="5562600" cy="1323439"/>
           </a:xfrm>
           <a:prstGeom prst="rect">
             <a:avLst/>
@@ -3667,7 +3725,7 @@
           <a:p>
             <a:r>
               <a:rPr lang="en-US" sz="2000" dirty="0" smtClean="0"/>
-              <a:t>GESTURE THEORY</a:t>
+              <a:t>WHY KINECT CURSOR CONTROL IS GOOD</a:t>
             </a:r>
           </a:p>
           <a:p>
@@ -3676,27 +3734,22 @@
           <a:p>
             <a:r>
               <a:rPr lang="en-US" sz="2000" dirty="0" smtClean="0"/>
-              <a:t>out of scope for today</a:t>
-            </a:r>
-          </a:p>
-          <a:p>
-            <a:r>
-              <a:rPr lang="en-US" sz="2000" dirty="0" smtClean="0"/>
-              <a:t>not easy to get the right design</a:t>
-            </a:r>
-          </a:p>
-          <a:p>
-            <a:r>
-              <a:rPr lang="en-US" sz="2000" dirty="0" smtClean="0"/>
-              <a:t>worth it for the users</a:t>
-            </a:r>
+              <a:t>somewhat intuitive for users</a:t>
+            </a:r>
+          </a:p>
+          <a:p>
+            <a:r>
+              <a:rPr lang="en-US" sz="2000" dirty="0" smtClean="0"/>
+              <a:t>easy to implement and you can be lazy</a:t>
+            </a:r>
+            <a:endParaRPr lang="en-US" sz="2000" dirty="0"/>
           </a:p>
         </p:txBody>
       </p:sp>
     </p:spTree>
     <p:extLst>
       <p:ext uri="{BB962C8B-B14F-4D97-AF65-F5344CB8AC3E}">
-        <p14:creationId xmlns:p14="http://schemas.microsoft.com/office/powerpoint/2010/main" val="1983287465"/>
+        <p14:creationId xmlns:p14="http://schemas.microsoft.com/office/powerpoint/2010/main" val="271295059"/>
       </p:ext>
     </p:extLst>
   </p:cSld>
@@ -3739,7 +3792,7 @@
         <p:spPr>
           <a:xfrm>
             <a:off x="381000" y="1627822"/>
-            <a:ext cx="6705600" cy="1015663"/>
+            <a:ext cx="6705600" cy="1938992"/>
           </a:xfrm>
           <a:prstGeom prst="rect">
             <a:avLst/>
@@ -3754,7 +3807,7 @@
           <a:p>
             <a:r>
               <a:rPr lang="en-US" sz="2000" dirty="0" smtClean="0"/>
-              <a:t>DEMO</a:t>
+              <a:t>WHY KINECT CURSOR CONTROL IS BAD</a:t>
             </a:r>
           </a:p>
           <a:p>
@@ -3763,7 +3816,25 @@
           <a:p>
             <a:r>
               <a:rPr lang="en-US" sz="2000" dirty="0" smtClean="0"/>
-              <a:t>implement your own swipe</a:t>
+              <a:t>different body sizes == different experiences</a:t>
+            </a:r>
+          </a:p>
+          <a:p>
+            <a:r>
+              <a:rPr lang="en-US" sz="2000" dirty="0" smtClean="0"/>
+              <a:t>cross-body problems</a:t>
+            </a:r>
+          </a:p>
+          <a:p>
+            <a:r>
+              <a:rPr lang="en-US" sz="2000" dirty="0" smtClean="0"/>
+              <a:t>cursor precision is problematic</a:t>
+            </a:r>
+          </a:p>
+          <a:p>
+            <a:r>
+              <a:rPr lang="en-US" sz="2000" dirty="0" smtClean="0"/>
+              <a:t>an old metaphor in a NUI world</a:t>
             </a:r>
           </a:p>
         </p:txBody>
@@ -3771,7 +3842,7 @@
     </p:spTree>
     <p:extLst>
       <p:ext uri="{BB962C8B-B14F-4D97-AF65-F5344CB8AC3E}">
-        <p14:creationId xmlns:p14="http://schemas.microsoft.com/office/powerpoint/2010/main" val="3961123305"/>
+        <p14:creationId xmlns:p14="http://schemas.microsoft.com/office/powerpoint/2010/main" val="4003568621"/>
       </p:ext>
     </p:extLst>
   </p:cSld>
@@ -3814,7 +3885,7 @@
         <p:spPr>
           <a:xfrm>
             <a:off x="381000" y="1627822"/>
-            <a:ext cx="6705600" cy="1015663"/>
+            <a:ext cx="6705600" cy="1323439"/>
           </a:xfrm>
           <a:prstGeom prst="rect">
             <a:avLst/>
@@ -3829,7 +3900,7 @@
           <a:p>
             <a:r>
               <a:rPr lang="en-US" sz="2000" dirty="0" smtClean="0"/>
-              <a:t>DEMO</a:t>
+              <a:t>ALTERNATIVE #1 TO CURSOR CONTROL</a:t>
             </a:r>
           </a:p>
           <a:p>
@@ -3838,7 +3909,13 @@
           <a:p>
             <a:r>
               <a:rPr lang="en-US" sz="2000" dirty="0" smtClean="0"/>
-              <a:t>gesture recording and tracking</a:t>
+              <a:t>gestures</a:t>
+            </a:r>
+          </a:p>
+          <a:p>
+            <a:r>
+              <a:rPr lang="en-US" sz="2000" dirty="0" smtClean="0"/>
+              <a:t>creative use of motion tracking and math</a:t>
             </a:r>
           </a:p>
         </p:txBody>
@@ -3846,7 +3923,7 @@
     </p:spTree>
     <p:extLst>
       <p:ext uri="{BB962C8B-B14F-4D97-AF65-F5344CB8AC3E}">
-        <p14:creationId xmlns:p14="http://schemas.microsoft.com/office/powerpoint/2010/main" val="3403751760"/>
+        <p14:creationId xmlns:p14="http://schemas.microsoft.com/office/powerpoint/2010/main" val="3827312201"/>
       </p:ext>
     </p:extLst>
   </p:cSld>
@@ -3889,7 +3966,7 @@
         <p:spPr>
           <a:xfrm>
             <a:off x="381000" y="1627822"/>
-            <a:ext cx="6705600" cy="1323439"/>
+            <a:ext cx="6705600" cy="1631216"/>
           </a:xfrm>
           <a:prstGeom prst="rect">
             <a:avLst/>
@@ -3904,7 +3981,7 @@
           <a:p>
             <a:r>
               <a:rPr lang="en-US" sz="2000" dirty="0" smtClean="0"/>
-              <a:t>DEMO</a:t>
+              <a:t>GESTURE THEORY</a:t>
             </a:r>
           </a:p>
           <a:p>
@@ -3913,13 +3990,19 @@
           <a:p>
             <a:r>
               <a:rPr lang="en-US" sz="2000" dirty="0" smtClean="0"/>
-              <a:t>“dance central” style menu</a:t>
-            </a:r>
-          </a:p>
-          <a:p>
-            <a:r>
-              <a:rPr lang="en-US" sz="2000" dirty="0" smtClean="0"/>
-              <a:t>creatively use math and motion tracking</a:t>
+              <a:t>out of scope for today</a:t>
+            </a:r>
+          </a:p>
+          <a:p>
+            <a:r>
+              <a:rPr lang="en-US" sz="2000" dirty="0" smtClean="0"/>
+              <a:t>not easy to get the right design</a:t>
+            </a:r>
+          </a:p>
+          <a:p>
+            <a:r>
+              <a:rPr lang="en-US" sz="2000" dirty="0" smtClean="0"/>
+              <a:t>worth it for the users</a:t>
             </a:r>
           </a:p>
         </p:txBody>
@@ -3927,7 +4010,7 @@
     </p:spTree>
     <p:extLst>
       <p:ext uri="{BB962C8B-B14F-4D97-AF65-F5344CB8AC3E}">
-        <p14:creationId xmlns:p14="http://schemas.microsoft.com/office/powerpoint/2010/main" val="2840000357"/>
+        <p14:creationId xmlns:p14="http://schemas.microsoft.com/office/powerpoint/2010/main" val="1983287465"/>
       </p:ext>
     </p:extLst>
   </p:cSld>
@@ -3970,7 +4053,7 @@
         <p:spPr>
           <a:xfrm>
             <a:off x="381000" y="1627822"/>
-            <a:ext cx="6705600" cy="2246769"/>
+            <a:ext cx="6705600" cy="1015663"/>
           </a:xfrm>
           <a:prstGeom prst="rect">
             <a:avLst/>
@@ -3985,7 +4068,7 @@
           <a:p>
             <a:r>
               <a:rPr lang="en-US" sz="2000" dirty="0" smtClean="0"/>
-              <a:t>ALTERNATIVE #2 TO CURSOR CONTROL</a:t>
+              <a:t>DEMO</a:t>
             </a:r>
           </a:p>
           <a:p>
@@ -3994,28 +4077,7 @@
           <a:p>
             <a:r>
               <a:rPr lang="en-US" sz="2000" dirty="0" smtClean="0"/>
-              <a:t>speech recognition</a:t>
-            </a:r>
-          </a:p>
-          <a:p>
-            <a:endParaRPr lang="en-US" sz="2000" dirty="0" smtClean="0"/>
-          </a:p>
-          <a:p>
-            <a:r>
-              <a:rPr lang="en-US" sz="2000" dirty="0" smtClean="0"/>
-              <a:t>limited success</a:t>
-            </a:r>
-          </a:p>
-          <a:p>
-            <a:r>
-              <a:rPr lang="en-US" sz="2000" dirty="0" smtClean="0"/>
-              <a:t>quiet or controlled environment required</a:t>
-            </a:r>
-          </a:p>
-          <a:p>
-            <a:r>
-              <a:rPr lang="en-US" sz="2000" dirty="0" smtClean="0"/>
-              <a:t>open or public environments will fail</a:t>
+              <a:t>implement your own swipe</a:t>
             </a:r>
           </a:p>
         </p:txBody>
@@ -4023,7 +4085,7 @@
     </p:spTree>
     <p:extLst>
       <p:ext uri="{BB962C8B-B14F-4D97-AF65-F5344CB8AC3E}">
-        <p14:creationId xmlns:p14="http://schemas.microsoft.com/office/powerpoint/2010/main" val="2133392242"/>
+        <p14:creationId xmlns:p14="http://schemas.microsoft.com/office/powerpoint/2010/main" val="3961123305"/>
       </p:ext>
     </p:extLst>
   </p:cSld>
@@ -4144,6 +4206,258 @@
 </file>
 
 <file path=ppt/slides/slide20.xml><?xml version="1.0" encoding="utf-8"?>
+<p:sld xmlns:a="http://schemas.openxmlformats.org/drawingml/2006/main" xmlns:r="http://schemas.openxmlformats.org/officeDocument/2006/relationships" xmlns:p="http://schemas.openxmlformats.org/presentationml/2006/main">
+  <p:cSld>
+    <p:spTree>
+      <p:nvGrpSpPr>
+        <p:cNvPr id="1" name=""/>
+        <p:cNvGrpSpPr/>
+        <p:nvPr/>
+      </p:nvGrpSpPr>
+      <p:grpSpPr>
+        <a:xfrm>
+          <a:off x="0" y="0"/>
+          <a:ext cx="0" cy="0"/>
+          <a:chOff x="0" y="0"/>
+          <a:chExt cx="0" cy="0"/>
+        </a:xfrm>
+      </p:grpSpPr>
+      <p:sp>
+        <p:nvSpPr>
+          <p:cNvPr id="2" name="TextBox 1"/>
+          <p:cNvSpPr txBox="1"/>
+          <p:nvPr/>
+        </p:nvSpPr>
+        <p:spPr>
+          <a:xfrm>
+            <a:off x="381000" y="1627822"/>
+            <a:ext cx="6705600" cy="1015663"/>
+          </a:xfrm>
+          <a:prstGeom prst="rect">
+            <a:avLst/>
+          </a:prstGeom>
+          <a:noFill/>
+        </p:spPr>
+        <p:txBody>
+          <a:bodyPr wrap="square" rtlCol="0">
+            <a:spAutoFit/>
+          </a:bodyPr>
+          <a:lstStyle/>
+          <a:p>
+            <a:r>
+              <a:rPr lang="en-US" sz="2000" dirty="0" smtClean="0"/>
+              <a:t>DEMO</a:t>
+            </a:r>
+          </a:p>
+          <a:p>
+            <a:endParaRPr lang="en-US" sz="2000" dirty="0"/>
+          </a:p>
+          <a:p>
+            <a:r>
+              <a:rPr lang="en-US" sz="2000" dirty="0" smtClean="0"/>
+              <a:t>gesture recording and tracking</a:t>
+            </a:r>
+          </a:p>
+        </p:txBody>
+      </p:sp>
+    </p:spTree>
+    <p:extLst>
+      <p:ext uri="{BB962C8B-B14F-4D97-AF65-F5344CB8AC3E}">
+        <p14:creationId xmlns:p14="http://schemas.microsoft.com/office/powerpoint/2010/main" val="3403751760"/>
+      </p:ext>
+    </p:extLst>
+  </p:cSld>
+  <p:clrMapOvr>
+    <a:masterClrMapping/>
+  </p:clrMapOvr>
+  <p:timing>
+    <p:tnLst>
+      <p:par>
+        <p:cTn id="1" dur="indefinite" restart="never" nodeType="tmRoot"/>
+      </p:par>
+    </p:tnLst>
+  </p:timing>
+</p:sld>
+</file>
+
+<file path=ppt/slides/slide21.xml><?xml version="1.0" encoding="utf-8"?>
+<p:sld xmlns:a="http://schemas.openxmlformats.org/drawingml/2006/main" xmlns:r="http://schemas.openxmlformats.org/officeDocument/2006/relationships" xmlns:p="http://schemas.openxmlformats.org/presentationml/2006/main">
+  <p:cSld>
+    <p:spTree>
+      <p:nvGrpSpPr>
+        <p:cNvPr id="1" name=""/>
+        <p:cNvGrpSpPr/>
+        <p:nvPr/>
+      </p:nvGrpSpPr>
+      <p:grpSpPr>
+        <a:xfrm>
+          <a:off x="0" y="0"/>
+          <a:ext cx="0" cy="0"/>
+          <a:chOff x="0" y="0"/>
+          <a:chExt cx="0" cy="0"/>
+        </a:xfrm>
+      </p:grpSpPr>
+      <p:sp>
+        <p:nvSpPr>
+          <p:cNvPr id="2" name="TextBox 1"/>
+          <p:cNvSpPr txBox="1"/>
+          <p:nvPr/>
+        </p:nvSpPr>
+        <p:spPr>
+          <a:xfrm>
+            <a:off x="381000" y="1627822"/>
+            <a:ext cx="6705600" cy="1323439"/>
+          </a:xfrm>
+          <a:prstGeom prst="rect">
+            <a:avLst/>
+          </a:prstGeom>
+          <a:noFill/>
+        </p:spPr>
+        <p:txBody>
+          <a:bodyPr wrap="square" rtlCol="0">
+            <a:spAutoFit/>
+          </a:bodyPr>
+          <a:lstStyle/>
+          <a:p>
+            <a:r>
+              <a:rPr lang="en-US" sz="2000" dirty="0" smtClean="0"/>
+              <a:t>DEMO</a:t>
+            </a:r>
+          </a:p>
+          <a:p>
+            <a:endParaRPr lang="en-US" sz="2000" dirty="0"/>
+          </a:p>
+          <a:p>
+            <a:r>
+              <a:rPr lang="en-US" sz="2000" dirty="0" smtClean="0"/>
+              <a:t>“dance central” style menu</a:t>
+            </a:r>
+          </a:p>
+          <a:p>
+            <a:r>
+              <a:rPr lang="en-US" sz="2000" dirty="0" smtClean="0"/>
+              <a:t>creatively use math and motion tracking</a:t>
+            </a:r>
+          </a:p>
+        </p:txBody>
+      </p:sp>
+    </p:spTree>
+    <p:extLst>
+      <p:ext uri="{BB962C8B-B14F-4D97-AF65-F5344CB8AC3E}">
+        <p14:creationId xmlns:p14="http://schemas.microsoft.com/office/powerpoint/2010/main" val="2840000357"/>
+      </p:ext>
+    </p:extLst>
+  </p:cSld>
+  <p:clrMapOvr>
+    <a:masterClrMapping/>
+  </p:clrMapOvr>
+  <p:timing>
+    <p:tnLst>
+      <p:par>
+        <p:cTn id="1" dur="indefinite" restart="never" nodeType="tmRoot"/>
+      </p:par>
+    </p:tnLst>
+  </p:timing>
+</p:sld>
+</file>
+
+<file path=ppt/slides/slide22.xml><?xml version="1.0" encoding="utf-8"?>
+<p:sld xmlns:a="http://schemas.openxmlformats.org/drawingml/2006/main" xmlns:r="http://schemas.openxmlformats.org/officeDocument/2006/relationships" xmlns:p="http://schemas.openxmlformats.org/presentationml/2006/main">
+  <p:cSld>
+    <p:spTree>
+      <p:nvGrpSpPr>
+        <p:cNvPr id="1" name=""/>
+        <p:cNvGrpSpPr/>
+        <p:nvPr/>
+      </p:nvGrpSpPr>
+      <p:grpSpPr>
+        <a:xfrm>
+          <a:off x="0" y="0"/>
+          <a:ext cx="0" cy="0"/>
+          <a:chOff x="0" y="0"/>
+          <a:chExt cx="0" cy="0"/>
+        </a:xfrm>
+      </p:grpSpPr>
+      <p:sp>
+        <p:nvSpPr>
+          <p:cNvPr id="2" name="TextBox 1"/>
+          <p:cNvSpPr txBox="1"/>
+          <p:nvPr/>
+        </p:nvSpPr>
+        <p:spPr>
+          <a:xfrm>
+            <a:off x="381000" y="1627822"/>
+            <a:ext cx="6705600" cy="2246769"/>
+          </a:xfrm>
+          <a:prstGeom prst="rect">
+            <a:avLst/>
+          </a:prstGeom>
+          <a:noFill/>
+        </p:spPr>
+        <p:txBody>
+          <a:bodyPr wrap="square" rtlCol="0">
+            <a:spAutoFit/>
+          </a:bodyPr>
+          <a:lstStyle/>
+          <a:p>
+            <a:r>
+              <a:rPr lang="en-US" sz="2000" dirty="0" smtClean="0"/>
+              <a:t>ALTERNATIVE #2 TO CURSOR CONTROL</a:t>
+            </a:r>
+          </a:p>
+          <a:p>
+            <a:endParaRPr lang="en-US" sz="2000" dirty="0"/>
+          </a:p>
+          <a:p>
+            <a:r>
+              <a:rPr lang="en-US" sz="2000" dirty="0" smtClean="0"/>
+              <a:t>speech recognition</a:t>
+            </a:r>
+          </a:p>
+          <a:p>
+            <a:endParaRPr lang="en-US" sz="2000" dirty="0" smtClean="0"/>
+          </a:p>
+          <a:p>
+            <a:r>
+              <a:rPr lang="en-US" sz="2000" dirty="0" smtClean="0"/>
+              <a:t>limited success</a:t>
+            </a:r>
+          </a:p>
+          <a:p>
+            <a:r>
+              <a:rPr lang="en-US" sz="2000" dirty="0" smtClean="0"/>
+              <a:t>quiet or controlled environment required</a:t>
+            </a:r>
+          </a:p>
+          <a:p>
+            <a:r>
+              <a:rPr lang="en-US" sz="2000" dirty="0" smtClean="0"/>
+              <a:t>open or public environments will fail</a:t>
+            </a:r>
+          </a:p>
+        </p:txBody>
+      </p:sp>
+    </p:spTree>
+    <p:extLst>
+      <p:ext uri="{BB962C8B-B14F-4D97-AF65-F5344CB8AC3E}">
+        <p14:creationId xmlns:p14="http://schemas.microsoft.com/office/powerpoint/2010/main" val="2133392242"/>
+      </p:ext>
+    </p:extLst>
+  </p:cSld>
+  <p:clrMapOvr>
+    <a:masterClrMapping/>
+  </p:clrMapOvr>
+  <p:timing>
+    <p:tnLst>
+      <p:par>
+        <p:cTn id="1" dur="indefinite" restart="never" nodeType="tmRoot"/>
+      </p:par>
+    </p:tnLst>
+  </p:timing>
+</p:sld>
+</file>
+
+<file path=ppt/slides/slide23.xml><?xml version="1.0" encoding="utf-8"?>
 <p:sld xmlns:a="http://schemas.openxmlformats.org/drawingml/2006/main" xmlns:r="http://schemas.openxmlformats.org/officeDocument/2006/relationships" xmlns:p="http://schemas.openxmlformats.org/presentationml/2006/main">
   <p:cSld>
     <p:spTree>
@@ -4829,14 +5143,14 @@
       </p:grpSpPr>
       <p:sp>
         <p:nvSpPr>
-          <p:cNvPr id="3" name="TextBox 2"/>
+          <p:cNvPr id="2" name="TextBox 1"/>
           <p:cNvSpPr txBox="1"/>
           <p:nvPr/>
         </p:nvSpPr>
         <p:spPr>
           <a:xfrm>
             <a:off x="381000" y="1627822"/>
-            <a:ext cx="5867400" cy="1631216"/>
+            <a:ext cx="5029200" cy="1631216"/>
           </a:xfrm>
           <a:prstGeom prst="rect">
             <a:avLst/>
@@ -4851,76 +5165,48 @@
           <a:p>
             <a:r>
               <a:rPr lang="en-US" sz="2000" dirty="0" smtClean="0"/>
-              <a:t>SAFETY TIP #1</a:t>
-            </a:r>
-          </a:p>
-          <a:p>
+              <a:t>BOUNDING BOX BONUS</a:t>
+            </a:r>
+            <a:endParaRPr lang="en-US" sz="2000" dirty="0" smtClean="0"/>
+          </a:p>
+          <a:p>
+            <a:endParaRPr lang="en-US" sz="2000" dirty="0" smtClean="0"/>
+          </a:p>
+          <a:p>
+            <a:r>
+              <a:rPr lang="en-US" sz="2000" dirty="0" smtClean="0"/>
+              <a:t>try implementing “</a:t>
+            </a:r>
+            <a:r>
+              <a:rPr lang="en-US" sz="2000" dirty="0" err="1" smtClean="0"/>
+              <a:t>UserEntered</a:t>
+            </a:r>
+            <a:r>
+              <a:rPr lang="en-US" sz="2000" dirty="0" smtClean="0"/>
+              <a:t>” and “</a:t>
+            </a:r>
+            <a:r>
+              <a:rPr lang="en-US" sz="2000" dirty="0" err="1" smtClean="0"/>
+              <a:t>UserExited</a:t>
+            </a:r>
+            <a:r>
+              <a:rPr lang="en-US" sz="2000" dirty="0" smtClean="0"/>
+              <a:t>” events to enable awareness of user presence.</a:t>
+            </a:r>
             <a:endParaRPr lang="en-US" sz="2000" dirty="0"/>
           </a:p>
-          <a:p>
-            <a:r>
-              <a:rPr lang="en-US" sz="2000" dirty="0" smtClean="0"/>
-              <a:t>include a </a:t>
-            </a:r>
-            <a:r>
-              <a:rPr lang="en-US" sz="2000" dirty="0" err="1" smtClean="0"/>
-              <a:t>kinect</a:t>
-            </a:r>
-            <a:r>
-              <a:rPr lang="en-US" sz="2000" dirty="0" smtClean="0"/>
-              <a:t> debug view to diagnose sensor problems such as lighting, camera distance, or device failure</a:t>
-            </a:r>
-            <a:endParaRPr lang="en-US" sz="2000" dirty="0"/>
-          </a:p>
-        </p:txBody>
-      </p:sp>
-      <p:pic>
-        <p:nvPicPr>
-          <p:cNvPr id="2" name="Picture 1"/>
-          <p:cNvPicPr>
-            <a:picLocks noChangeAspect="1"/>
-          </p:cNvPicPr>
-          <p:nvPr/>
-        </p:nvPicPr>
-        <p:blipFill>
-          <a:blip r:embed="rId2" cstate="print">
-            <a:extLst>
-              <a:ext uri="{28A0092B-C50C-407E-A947-70E740481C1C}">
-                <a14:useLocalDpi xmlns:a14="http://schemas.microsoft.com/office/drawing/2010/main" val="0"/>
-              </a:ext>
-            </a:extLst>
-          </a:blip>
-          <a:stretch>
-            <a:fillRect/>
-          </a:stretch>
-        </p:blipFill>
-        <p:spPr>
-          <a:xfrm>
-            <a:off x="6629400" y="133350"/>
-            <a:ext cx="2133600" cy="1600200"/>
-          </a:xfrm>
-          <a:prstGeom prst="rect">
-            <a:avLst/>
-          </a:prstGeom>
-        </p:spPr>
-      </p:pic>
+        </p:txBody>
+      </p:sp>
     </p:spTree>
     <p:extLst>
       <p:ext uri="{BB962C8B-B14F-4D97-AF65-F5344CB8AC3E}">
-        <p14:creationId xmlns:p14="http://schemas.microsoft.com/office/powerpoint/2010/main" val="4200243354"/>
+        <p14:creationId xmlns:p14="http://schemas.microsoft.com/office/powerpoint/2010/main" val="512935464"/>
       </p:ext>
     </p:extLst>
   </p:cSld>
   <p:clrMapOvr>
     <a:masterClrMapping/>
   </p:clrMapOvr>
-  <p:timing>
-    <p:tnLst>
-      <p:par>
-        <p:cTn id="1" dur="indefinite" restart="never" nodeType="tmRoot"/>
-      </p:par>
-    </p:tnLst>
-  </p:timing>
 </p:sld>
 </file>
 

--- a/presentation/LevelUpKinect.pptx
+++ b/presentation/LevelUpKinect.pptx
@@ -28,6 +28,7 @@
     <p:sldId id="273" r:id="rId22"/>
     <p:sldId id="274" r:id="rId23"/>
     <p:sldId id="275" r:id="rId24"/>
+    <p:sldId id="279" r:id="rId25"/>
   </p:sldIdLst>
   <p:sldSz cx="9144000" cy="5143500" type="screen16x9"/>
   <p:notesSz cx="6858000" cy="9144000"/>
@@ -310,7 +311,7 @@
           <a:p>
             <a:fld id="{405F36E6-54AE-4AA2-9278-376E514A87CD}" type="datetimeFigureOut">
               <a:rPr lang="en-US" smtClean="0"/>
-              <a:t>10/3/2011</a:t>
+              <a:t>10/5/2011</a:t>
             </a:fld>
             <a:endParaRPr lang="en-US"/>
           </a:p>
@@ -480,7 +481,7 @@
           <a:p>
             <a:fld id="{405F36E6-54AE-4AA2-9278-376E514A87CD}" type="datetimeFigureOut">
               <a:rPr lang="en-US" smtClean="0"/>
-              <a:t>10/3/2011</a:t>
+              <a:t>10/5/2011</a:t>
             </a:fld>
             <a:endParaRPr lang="en-US"/>
           </a:p>
@@ -660,7 +661,7 @@
           <a:p>
             <a:fld id="{405F36E6-54AE-4AA2-9278-376E514A87CD}" type="datetimeFigureOut">
               <a:rPr lang="en-US" smtClean="0"/>
-              <a:t>10/3/2011</a:t>
+              <a:t>10/5/2011</a:t>
             </a:fld>
             <a:endParaRPr lang="en-US"/>
           </a:p>
@@ -830,7 +831,7 @@
           <a:p>
             <a:fld id="{405F36E6-54AE-4AA2-9278-376E514A87CD}" type="datetimeFigureOut">
               <a:rPr lang="en-US" smtClean="0"/>
-              <a:t>10/3/2011</a:t>
+              <a:t>10/5/2011</a:t>
             </a:fld>
             <a:endParaRPr lang="en-US"/>
           </a:p>
@@ -1076,7 +1077,7 @@
           <a:p>
             <a:fld id="{405F36E6-54AE-4AA2-9278-376E514A87CD}" type="datetimeFigureOut">
               <a:rPr lang="en-US" smtClean="0"/>
-              <a:t>10/3/2011</a:t>
+              <a:t>10/5/2011</a:t>
             </a:fld>
             <a:endParaRPr lang="en-US"/>
           </a:p>
@@ -1364,7 +1365,7 @@
           <a:p>
             <a:fld id="{405F36E6-54AE-4AA2-9278-376E514A87CD}" type="datetimeFigureOut">
               <a:rPr lang="en-US" smtClean="0"/>
-              <a:t>10/3/2011</a:t>
+              <a:t>10/5/2011</a:t>
             </a:fld>
             <a:endParaRPr lang="en-US"/>
           </a:p>
@@ -1786,7 +1787,7 @@
           <a:p>
             <a:fld id="{405F36E6-54AE-4AA2-9278-376E514A87CD}" type="datetimeFigureOut">
               <a:rPr lang="en-US" smtClean="0"/>
-              <a:t>10/3/2011</a:t>
+              <a:t>10/5/2011</a:t>
             </a:fld>
             <a:endParaRPr lang="en-US"/>
           </a:p>
@@ -1904,7 +1905,7 @@
           <a:p>
             <a:fld id="{405F36E6-54AE-4AA2-9278-376E514A87CD}" type="datetimeFigureOut">
               <a:rPr lang="en-US" smtClean="0"/>
-              <a:t>10/3/2011</a:t>
+              <a:t>10/5/2011</a:t>
             </a:fld>
             <a:endParaRPr lang="en-US"/>
           </a:p>
@@ -1999,7 +2000,7 @@
           <a:p>
             <a:fld id="{405F36E6-54AE-4AA2-9278-376E514A87CD}" type="datetimeFigureOut">
               <a:rPr lang="en-US" smtClean="0"/>
-              <a:t>10/3/2011</a:t>
+              <a:t>10/5/2011</a:t>
             </a:fld>
             <a:endParaRPr lang="en-US"/>
           </a:p>
@@ -2276,7 +2277,7 @@
           <a:p>
             <a:fld id="{405F36E6-54AE-4AA2-9278-376E514A87CD}" type="datetimeFigureOut">
               <a:rPr lang="en-US" smtClean="0"/>
-              <a:t>10/3/2011</a:t>
+              <a:t>10/5/2011</a:t>
             </a:fld>
             <a:endParaRPr lang="en-US"/>
           </a:p>
@@ -2529,7 +2530,7 @@
           <a:p>
             <a:fld id="{405F36E6-54AE-4AA2-9278-376E514A87CD}" type="datetimeFigureOut">
               <a:rPr lang="en-US" smtClean="0"/>
-              <a:t>10/3/2011</a:t>
+              <a:t>10/5/2011</a:t>
             </a:fld>
             <a:endParaRPr lang="en-US"/>
           </a:p>
@@ -2742,7 +2743,7 @@
           <a:p>
             <a:fld id="{405F36E6-54AE-4AA2-9278-376E514A87CD}" type="datetimeFigureOut">
               <a:rPr lang="en-US" smtClean="0"/>
-              <a:t>10/3/2011</a:t>
+              <a:t>10/5/2011</a:t>
             </a:fld>
             <a:endParaRPr lang="en-US"/>
           </a:p>
@@ -3126,7 +3127,7 @@
         <p:spPr>
           <a:xfrm>
             <a:off x="228600" y="1276350"/>
-            <a:ext cx="8686800" cy="2739211"/>
+            <a:ext cx="8686800" cy="3046988"/>
           </a:xfrm>
           <a:prstGeom prst="rect">
             <a:avLst/>
@@ -3158,28 +3159,67 @@
             <a:endParaRPr lang="en-US" sz="2800" dirty="0"/>
           </a:p>
           <a:p>
-            <a:r>
-              <a:rPr lang="en-US" sz="2000" dirty="0" smtClean="0"/>
+            <a:endParaRPr lang="en-US" sz="2000" dirty="0" smtClean="0"/>
+          </a:p>
+          <a:p>
+            <a:r>
+              <a:rPr lang="en-US" sz="2000" dirty="0" smtClean="0">
+                <a:solidFill>
+                  <a:schemeClr val="tx1">
+                    <a:lumMod val="65000"/>
+                  </a:schemeClr>
+                </a:solidFill>
+              </a:rPr>
               <a:t>mike </a:t>
             </a:r>
             <a:r>
-              <a:rPr lang="en-US" sz="2000" dirty="0" err="1" smtClean="0"/>
+              <a:rPr lang="en-US" sz="2000" dirty="0" err="1" smtClean="0">
+                <a:solidFill>
+                  <a:schemeClr val="tx1">
+                    <a:lumMod val="65000"/>
+                  </a:schemeClr>
+                </a:solidFill>
+              </a:rPr>
               <a:t>hodnick</a:t>
             </a:r>
-            <a:endParaRPr lang="en-US" sz="2000" dirty="0" smtClean="0"/>
-          </a:p>
-          <a:p>
-            <a:r>
-              <a:rPr lang="en-US" sz="2000" dirty="0" smtClean="0"/>
+            <a:endParaRPr lang="en-US" sz="2000" dirty="0" smtClean="0">
+              <a:solidFill>
+                <a:schemeClr val="tx1">
+                  <a:lumMod val="65000"/>
+                </a:schemeClr>
+              </a:solidFill>
+            </a:endParaRPr>
+          </a:p>
+          <a:p>
+            <a:r>
+              <a:rPr lang="en-US" sz="2000" dirty="0" smtClean="0">
+                <a:solidFill>
+                  <a:schemeClr val="tx1">
+                    <a:lumMod val="65000"/>
+                  </a:schemeClr>
+                </a:solidFill>
+              </a:rPr>
               <a:t>kindohm.com</a:t>
             </a:r>
           </a:p>
           <a:p>
             <a:r>
-              <a:rPr lang="en-US" sz="2000" dirty="0" smtClean="0"/>
+              <a:rPr lang="en-US" sz="2000" dirty="0" smtClean="0">
+                <a:solidFill>
+                  <a:schemeClr val="tx1">
+                    <a:lumMod val="65000"/>
+                  </a:schemeClr>
+                </a:solidFill>
+              </a:rPr>
               <a:t>github.com/kindohm</a:t>
             </a:r>
-            <a:endParaRPr lang="en-US" sz="2000" dirty="0"/>
+            <a:endParaRPr lang="en-US" sz="2000" dirty="0">
+              <a:solidFill>
+                <a:schemeClr val="tx1">
+                  <a:lumMod val="65000"/>
+                </a:schemeClr>
+              </a:solidFill>
+            </a:endParaRPr>
           </a:p>
         </p:txBody>
       </p:sp>
@@ -3261,11 +3301,7 @@
             </a:r>
             <a:r>
               <a:rPr lang="en-US" sz="2000" dirty="0" smtClean="0"/>
-              <a:t> debug view to diagnose sensor problems such as lighting, camera distance, or device </a:t>
-            </a:r>
-            <a:r>
-              <a:rPr lang="en-US" sz="2000" dirty="0" smtClean="0"/>
-              <a:t>failure</a:t>
+              <a:t> debug view to diagnose sensor problems such as lighting, camera distance, or device failure</a:t>
             </a:r>
           </a:p>
         </p:txBody>
@@ -3363,7 +3399,6 @@
               <a:rPr lang="en-US" sz="2000" dirty="0" smtClean="0"/>
               <a:t>VIDEO AND DEPTH FEEDS</a:t>
             </a:r>
-            <a:endParaRPr lang="en-US" sz="2000" dirty="0" smtClean="0"/>
           </a:p>
           <a:p>
             <a:endParaRPr lang="en-US" sz="2000" dirty="0"/>
@@ -3445,13 +3480,8 @@
           <a:p>
             <a:r>
               <a:rPr lang="en-US" sz="2000" dirty="0" smtClean="0"/>
-              <a:t>SAFETY TIP </a:t>
-            </a:r>
-            <a:r>
-              <a:rPr lang="en-US" sz="2000" dirty="0" smtClean="0"/>
-              <a:t>#2</a:t>
-            </a:r>
-            <a:endParaRPr lang="en-US" sz="2000" dirty="0" smtClean="0"/>
+              <a:t>SAFETY TIP #2</a:t>
+            </a:r>
           </a:p>
           <a:p>
             <a:endParaRPr lang="en-US" sz="2000" dirty="0"/>
@@ -4516,6 +4546,153 @@
     <p:extLst>
       <p:ext uri="{BB962C8B-B14F-4D97-AF65-F5344CB8AC3E}">
         <p14:creationId xmlns:p14="http://schemas.microsoft.com/office/powerpoint/2010/main" val="3633851680"/>
+      </p:ext>
+    </p:extLst>
+  </p:cSld>
+  <p:clrMapOvr>
+    <a:masterClrMapping/>
+  </p:clrMapOvr>
+  <p:timing>
+    <p:tnLst>
+      <p:par>
+        <p:cTn id="1" dur="indefinite" restart="never" nodeType="tmRoot"/>
+      </p:par>
+    </p:tnLst>
+  </p:timing>
+</p:sld>
+</file>
+
+<file path=ppt/slides/slide24.xml><?xml version="1.0" encoding="utf-8"?>
+<p:sld xmlns:a="http://schemas.openxmlformats.org/drawingml/2006/main" xmlns:r="http://schemas.openxmlformats.org/officeDocument/2006/relationships" xmlns:p="http://schemas.openxmlformats.org/presentationml/2006/main">
+  <p:cSld>
+    <p:spTree>
+      <p:nvGrpSpPr>
+        <p:cNvPr id="1" name=""/>
+        <p:cNvGrpSpPr/>
+        <p:nvPr/>
+      </p:nvGrpSpPr>
+      <p:grpSpPr>
+        <a:xfrm>
+          <a:off x="0" y="0"/>
+          <a:ext cx="0" cy="0"/>
+          <a:chOff x="0" y="0"/>
+          <a:chExt cx="0" cy="0"/>
+        </a:xfrm>
+      </p:grpSpPr>
+      <p:sp>
+        <p:nvSpPr>
+          <p:cNvPr id="2" name="TextBox 1"/>
+          <p:cNvSpPr txBox="1"/>
+          <p:nvPr/>
+        </p:nvSpPr>
+        <p:spPr>
+          <a:xfrm>
+            <a:off x="381000" y="1627822"/>
+            <a:ext cx="6705600" cy="2554545"/>
+          </a:xfrm>
+          <a:prstGeom prst="rect">
+            <a:avLst/>
+          </a:prstGeom>
+          <a:noFill/>
+        </p:spPr>
+        <p:txBody>
+          <a:bodyPr wrap="square" rtlCol="0">
+            <a:spAutoFit/>
+          </a:bodyPr>
+          <a:lstStyle/>
+          <a:p>
+            <a:r>
+              <a:rPr lang="en-US" sz="2000" dirty="0" smtClean="0"/>
+              <a:t>go forth and write code for other people’s body joints</a:t>
+            </a:r>
+          </a:p>
+          <a:p>
+            <a:endParaRPr lang="en-US" sz="2000" dirty="0"/>
+          </a:p>
+          <a:p>
+            <a:r>
+              <a:rPr lang="en-US" sz="2000" dirty="0" smtClean="0"/>
+              <a:t>(and listen to them speak)</a:t>
+            </a:r>
+          </a:p>
+          <a:p>
+            <a:endParaRPr lang="en-US" sz="2000" dirty="0"/>
+          </a:p>
+          <a:p>
+            <a:endParaRPr lang="en-US" sz="2000" dirty="0" smtClean="0">
+              <a:solidFill>
+                <a:schemeClr val="tx1">
+                  <a:lumMod val="65000"/>
+                </a:schemeClr>
+              </a:solidFill>
+            </a:endParaRPr>
+          </a:p>
+          <a:p>
+            <a:r>
+              <a:rPr lang="en-US" sz="2000" dirty="0" smtClean="0">
+                <a:solidFill>
+                  <a:schemeClr val="tx1">
+                    <a:lumMod val="65000"/>
+                  </a:schemeClr>
+                </a:solidFill>
+              </a:rPr>
+              <a:t>mike </a:t>
+            </a:r>
+            <a:r>
+              <a:rPr lang="en-US" sz="2000" dirty="0" err="1" smtClean="0">
+                <a:solidFill>
+                  <a:schemeClr val="tx1">
+                    <a:lumMod val="65000"/>
+                  </a:schemeClr>
+                </a:solidFill>
+              </a:rPr>
+              <a:t>hodnick</a:t>
+            </a:r>
+            <a:endParaRPr lang="en-US" sz="2000" dirty="0" smtClean="0">
+              <a:solidFill>
+                <a:schemeClr val="tx1">
+                  <a:lumMod val="65000"/>
+                </a:schemeClr>
+              </a:solidFill>
+            </a:endParaRPr>
+          </a:p>
+          <a:p>
+            <a:r>
+              <a:rPr lang="en-US" sz="2000" dirty="0" smtClean="0">
+                <a:solidFill>
+                  <a:schemeClr val="tx1">
+                    <a:lumMod val="65000"/>
+                  </a:schemeClr>
+                </a:solidFill>
+              </a:rPr>
+              <a:t>kindohm.com</a:t>
+            </a:r>
+          </a:p>
+          <a:p>
+            <a:r>
+              <a:rPr lang="en-US" sz="2000" dirty="0" smtClean="0">
+                <a:solidFill>
+                  <a:schemeClr val="tx1">
+                    <a:lumMod val="65000"/>
+                  </a:schemeClr>
+                </a:solidFill>
+              </a:rPr>
+              <a:t>github.com/kindohm</a:t>
+            </a:r>
+            <a:endParaRPr lang="en-US" sz="2000" dirty="0" smtClean="0">
+              <a:solidFill>
+                <a:schemeClr val="tx1">
+                  <a:lumMod val="65000"/>
+                </a:schemeClr>
+              </a:solidFill>
+            </a:endParaRPr>
+          </a:p>
+        </p:txBody>
+      </p:sp>
+    </p:spTree>
+    <p:extLst>
+      <p:ext uri="{BB962C8B-B14F-4D97-AF65-F5344CB8AC3E}">
+        <p14:creationId xmlns:p14="http://schemas.microsoft.com/office/powerpoint/2010/main" val="1728536776"/>
       </p:ext>
     </p:extLst>
   </p:cSld>
@@ -5167,7 +5344,6 @@
               <a:rPr lang="en-US" sz="2000" dirty="0" smtClean="0"/>
               <a:t>BOUNDING BOX BONUS</a:t>
             </a:r>
-            <a:endParaRPr lang="en-US" sz="2000" dirty="0" smtClean="0"/>
           </a:p>
           <a:p>
             <a:endParaRPr lang="en-US" sz="2000" dirty="0" smtClean="0"/>
@@ -5207,18 +5383,25 @@
   <p:clrMapOvr>
     <a:masterClrMapping/>
   </p:clrMapOvr>
+  <p:timing>
+    <p:tnLst>
+      <p:par>
+        <p:cTn id="1" dur="indefinite" restart="never" nodeType="tmRoot"/>
+      </p:par>
+    </p:tnLst>
+  </p:timing>
 </p:sld>
 </file>
 
 <file path=ppt/theme/theme1.xml><?xml version="1.0" encoding="utf-8"?>
 <a:theme xmlns:a="http://schemas.openxmlformats.org/drawingml/2006/main" name="Office Theme">
   <a:themeElements>
-    <a:clrScheme name="Office">
+    <a:clrScheme name="kinectbattlefieldtips">
       <a:dk1>
-        <a:sysClr val="windowText" lastClr="000000"/>
+        <a:srgbClr val="FFFFFF"/>
       </a:dk1>
       <a:lt1>
-        <a:sysClr val="window" lastClr="FFFFFF"/>
+        <a:srgbClr val="333333"/>
       </a:lt1>
       <a:dk2>
         <a:srgbClr val="1F497D"/>
